--- a/manuscript/figures-draft-02.pptx
+++ b/manuscript/figures-draft-02.pptx
@@ -5,13 +5,15 @@
     <p:sldMasterId id="2147483648" r:id="rId1"/>
   </p:sldMasterIdLst>
   <p:notesMasterIdLst>
-    <p:notesMasterId r:id="rId6"/>
+    <p:notesMasterId r:id="rId8"/>
   </p:notesMasterIdLst>
   <p:sldIdLst>
     <p:sldId id="263" r:id="rId2"/>
-    <p:sldId id="265" r:id="rId3"/>
-    <p:sldId id="267" r:id="rId4"/>
-    <p:sldId id="269" r:id="rId5"/>
+    <p:sldId id="270" r:id="rId3"/>
+    <p:sldId id="265" r:id="rId4"/>
+    <p:sldId id="271" r:id="rId5"/>
+    <p:sldId id="267" r:id="rId6"/>
+    <p:sldId id="269" r:id="rId7"/>
   </p:sldIdLst>
   <p:sldSz cx="9144000" cy="6858000" type="screen4x3"/>
   <p:notesSz cx="6858000" cy="9144000"/>
@@ -195,7 +197,7 @@
           <a:p>
             <a:fld id="{8B4EBA7A-56E1-4937-B6A7-4CCE0E7AD144}" type="datetimeFigureOut">
               <a:rPr lang="en-US" smtClean="0"/>
-              <a:t>9/30/2014</a:t>
+              <a:t>10/9/14</a:t>
             </a:fld>
             <a:endParaRPr lang="en-US"/>
           </a:p>
@@ -636,7 +638,7 @@
           <a:p>
             <a:fld id="{FBDCEE2F-1E82-4629-B6CC-B0E3A96AD62F}" type="slidenum">
               <a:rPr lang="en-US" smtClean="0"/>
-              <a:t>2</a:t>
+              <a:t>3</a:t>
             </a:fld>
             <a:endParaRPr lang="en-US"/>
           </a:p>
@@ -732,7 +734,7 @@
           <a:p>
             <a:fld id="{FBDCEE2F-1E82-4629-B6CC-B0E3A96AD62F}" type="slidenum">
               <a:rPr lang="en-US" smtClean="0"/>
-              <a:t>3</a:t>
+              <a:t>5</a:t>
             </a:fld>
             <a:endParaRPr lang="en-US"/>
           </a:p>
@@ -932,7 +934,7 @@
           <a:p>
             <a:fld id="{D604A245-C8BD-064D-B7C3-50DA7C8D409F}" type="datetimeFigureOut">
               <a:rPr lang="en-US" smtClean="0"/>
-              <a:t>9/30/2014</a:t>
+              <a:t>10/9/14</a:t>
             </a:fld>
             <a:endParaRPr lang="en-US"/>
           </a:p>
@@ -1102,7 +1104,7 @@
           <a:p>
             <a:fld id="{D604A245-C8BD-064D-B7C3-50DA7C8D409F}" type="datetimeFigureOut">
               <a:rPr lang="en-US" smtClean="0"/>
-              <a:t>9/30/2014</a:t>
+              <a:t>10/9/14</a:t>
             </a:fld>
             <a:endParaRPr lang="en-US"/>
           </a:p>
@@ -1282,7 +1284,7 @@
           <a:p>
             <a:fld id="{D604A245-C8BD-064D-B7C3-50DA7C8D409F}" type="datetimeFigureOut">
               <a:rPr lang="en-US" smtClean="0"/>
-              <a:t>9/30/2014</a:t>
+              <a:t>10/9/14</a:t>
             </a:fld>
             <a:endParaRPr lang="en-US"/>
           </a:p>
@@ -1452,7 +1454,7 @@
           <a:p>
             <a:fld id="{D604A245-C8BD-064D-B7C3-50DA7C8D409F}" type="datetimeFigureOut">
               <a:rPr lang="en-US" smtClean="0"/>
-              <a:t>9/30/2014</a:t>
+              <a:t>10/9/14</a:t>
             </a:fld>
             <a:endParaRPr lang="en-US"/>
           </a:p>
@@ -1698,7 +1700,7 @@
           <a:p>
             <a:fld id="{D604A245-C8BD-064D-B7C3-50DA7C8D409F}" type="datetimeFigureOut">
               <a:rPr lang="en-US" smtClean="0"/>
-              <a:t>9/30/2014</a:t>
+              <a:t>10/9/14</a:t>
             </a:fld>
             <a:endParaRPr lang="en-US"/>
           </a:p>
@@ -1986,7 +1988,7 @@
           <a:p>
             <a:fld id="{D604A245-C8BD-064D-B7C3-50DA7C8D409F}" type="datetimeFigureOut">
               <a:rPr lang="en-US" smtClean="0"/>
-              <a:t>9/30/2014</a:t>
+              <a:t>10/9/14</a:t>
             </a:fld>
             <a:endParaRPr lang="en-US"/>
           </a:p>
@@ -2408,7 +2410,7 @@
           <a:p>
             <a:fld id="{D604A245-C8BD-064D-B7C3-50DA7C8D409F}" type="datetimeFigureOut">
               <a:rPr lang="en-US" smtClean="0"/>
-              <a:t>9/30/2014</a:t>
+              <a:t>10/9/14</a:t>
             </a:fld>
             <a:endParaRPr lang="en-US"/>
           </a:p>
@@ -2526,7 +2528,7 @@
           <a:p>
             <a:fld id="{D604A245-C8BD-064D-B7C3-50DA7C8D409F}" type="datetimeFigureOut">
               <a:rPr lang="en-US" smtClean="0"/>
-              <a:t>9/30/2014</a:t>
+              <a:t>10/9/14</a:t>
             </a:fld>
             <a:endParaRPr lang="en-US"/>
           </a:p>
@@ -2621,7 +2623,7 @@
           <a:p>
             <a:fld id="{D604A245-C8BD-064D-B7C3-50DA7C8D409F}" type="datetimeFigureOut">
               <a:rPr lang="en-US" smtClean="0"/>
-              <a:t>9/30/2014</a:t>
+              <a:t>10/9/14</a:t>
             </a:fld>
             <a:endParaRPr lang="en-US"/>
           </a:p>
@@ -2898,7 +2900,7 @@
           <a:p>
             <a:fld id="{D604A245-C8BD-064D-B7C3-50DA7C8D409F}" type="datetimeFigureOut">
               <a:rPr lang="en-US" smtClean="0"/>
-              <a:t>9/30/2014</a:t>
+              <a:t>10/9/14</a:t>
             </a:fld>
             <a:endParaRPr lang="en-US"/>
           </a:p>
@@ -3151,7 +3153,7 @@
           <a:p>
             <a:fld id="{D604A245-C8BD-064D-B7C3-50DA7C8D409F}" type="datetimeFigureOut">
               <a:rPr lang="en-US" smtClean="0"/>
-              <a:t>9/30/2014</a:t>
+              <a:t>10/9/14</a:t>
             </a:fld>
             <a:endParaRPr lang="en-US"/>
           </a:p>
@@ -3364,7 +3366,7 @@
           <a:p>
             <a:fld id="{D604A245-C8BD-064D-B7C3-50DA7C8D409F}" type="datetimeFigureOut">
               <a:rPr lang="en-US" smtClean="0"/>
-              <a:t>9/30/2014</a:t>
+              <a:t>10/9/14</a:t>
             </a:fld>
             <a:endParaRPr lang="en-US"/>
           </a:p>
@@ -3773,14 +3775,14 @@
             <a:noFill/>
           </a:ln>
           <a:extLst>
-            <a:ext uri="{909E8E84-426E-40DD-AFC4-6F175D3DCCD1}">
+            <a:ext uri="{909E8E84-426E-40dd-AFC4-6F175D3DCCD1}">
               <a14:hiddenFill xmlns:a14="http://schemas.microsoft.com/office/drawing/2010/main">
                 <a:solidFill>
                   <a:schemeClr val="accent1"/>
                 </a:solidFill>
               </a14:hiddenFill>
             </a:ext>
-            <a:ext uri="{91240B29-F687-4F45-9708-019B960494DF}">
+            <a:ext uri="{91240B29-F687-4f45-9708-019B960494DF}">
               <a14:hiddenLine xmlns:a14="http://schemas.microsoft.com/office/drawing/2010/main" w="9525">
                 <a:solidFill>
                   <a:schemeClr val="tx1"/>
@@ -3827,14 +3829,14 @@
             <a:noFill/>
           </a:ln>
           <a:extLst>
-            <a:ext uri="{909E8E84-426E-40DD-AFC4-6F175D3DCCD1}">
+            <a:ext uri="{909E8E84-426E-40dd-AFC4-6F175D3DCCD1}">
               <a14:hiddenFill xmlns:a14="http://schemas.microsoft.com/office/drawing/2010/main">
                 <a:solidFill>
                   <a:schemeClr val="accent1"/>
                 </a:solidFill>
               </a14:hiddenFill>
             </a:ext>
-            <a:ext uri="{91240B29-F687-4F45-9708-019B960494DF}">
+            <a:ext uri="{91240B29-F687-4f45-9708-019B960494DF}">
               <a14:hiddenLine xmlns:a14="http://schemas.microsoft.com/office/drawing/2010/main" w="9525">
                 <a:solidFill>
                   <a:schemeClr val="tx1"/>
@@ -3881,14 +3883,14 @@
             <a:noFill/>
           </a:ln>
           <a:extLst>
-            <a:ext uri="{909E8E84-426E-40DD-AFC4-6F175D3DCCD1}">
+            <a:ext uri="{909E8E84-426E-40dd-AFC4-6F175D3DCCD1}">
               <a14:hiddenFill xmlns:a14="http://schemas.microsoft.com/office/drawing/2010/main">
                 <a:solidFill>
                   <a:schemeClr val="accent1"/>
                 </a:solidFill>
               </a14:hiddenFill>
             </a:ext>
-            <a:ext uri="{91240B29-F687-4F45-9708-019B960494DF}">
+            <a:ext uri="{91240B29-F687-4f45-9708-019B960494DF}">
               <a14:hiddenLine xmlns:a14="http://schemas.microsoft.com/office/drawing/2010/main" w="9525">
                 <a:solidFill>
                   <a:schemeClr val="tx1"/>
@@ -3945,6 +3947,59 @@
 </file>
 
 <file path=ppt/slides/slide2.xml><?xml version="1.0" encoding="utf-8"?>
+<p:sld xmlns:a="http://schemas.openxmlformats.org/drawingml/2006/main" xmlns:r="http://schemas.openxmlformats.org/officeDocument/2006/relationships" xmlns:p="http://schemas.openxmlformats.org/presentationml/2006/main">
+  <p:cSld>
+    <p:spTree>
+      <p:nvGrpSpPr>
+        <p:cNvPr id="1" name=""/>
+        <p:cNvGrpSpPr/>
+        <p:nvPr/>
+      </p:nvGrpSpPr>
+      <p:grpSpPr>
+        <a:xfrm>
+          <a:off x="0" y="0"/>
+          <a:ext cx="0" cy="0"/>
+          <a:chOff x="0" y="0"/>
+          <a:chExt cx="0" cy="0"/>
+        </a:xfrm>
+      </p:grpSpPr>
+      <p:sp>
+        <p:nvSpPr>
+          <p:cNvPr id="2" name="Title 1"/>
+          <p:cNvSpPr>
+            <a:spLocks noGrp="1"/>
+          </p:cNvSpPr>
+          <p:nvPr>
+            <p:ph type="title"/>
+          </p:nvPr>
+        </p:nvSpPr>
+        <p:spPr/>
+        <p:txBody>
+          <a:bodyPr/>
+          <a:lstStyle/>
+          <a:p>
+            <a:r>
+              <a:rPr lang="en-US" dirty="0" smtClean="0"/>
+              <a:t>Data reconstruction workflow</a:t>
+            </a:r>
+            <a:endParaRPr lang="en-US" dirty="0"/>
+          </a:p>
+        </p:txBody>
+      </p:sp>
+    </p:spTree>
+    <p:extLst>
+      <p:ext uri="{BB962C8B-B14F-4D97-AF65-F5344CB8AC3E}">
+        <p14:creationId xmlns:p14="http://schemas.microsoft.com/office/powerpoint/2010/main" val="1115008493"/>
+      </p:ext>
+    </p:extLst>
+  </p:cSld>
+  <p:clrMapOvr>
+    <a:masterClrMapping/>
+  </p:clrMapOvr>
+</p:sld>
+</file>
+
+<file path=ppt/slides/slide3.xml><?xml version="1.0" encoding="utf-8"?>
 <p:sld xmlns:a="http://schemas.openxmlformats.org/drawingml/2006/main" xmlns:r="http://schemas.openxmlformats.org/officeDocument/2006/relationships" xmlns:p="http://schemas.openxmlformats.org/presentationml/2006/main">
   <p:cSld>
     <p:spTree>
@@ -4496,14 +4551,14 @@
                 <a:noFill/>
               </a:ln>
               <a:extLst>
-                <a:ext uri="{909E8E84-426E-40DD-AFC4-6F175D3DCCD1}">
+                <a:ext uri="{909E8E84-426E-40dd-AFC4-6F175D3DCCD1}">
                   <a14:hiddenFill xmlns:a14="http://schemas.microsoft.com/office/drawing/2010/main">
                     <a:solidFill>
                       <a:schemeClr val="accent1"/>
                     </a:solidFill>
                   </a14:hiddenFill>
                 </a:ext>
-                <a:ext uri="{91240B29-F687-4F45-9708-019B960494DF}">
+                <a:ext uri="{91240B29-F687-4f45-9708-019B960494DF}">
                   <a14:hiddenLine xmlns:a14="http://schemas.microsoft.com/office/drawing/2010/main" w="9525">
                     <a:solidFill>
                       <a:schemeClr val="tx1"/>
@@ -4678,14 +4733,74 @@
   <p:timing>
     <p:tnLst>
       <p:par>
-        <p:cTn id="1" dur="indefinite" restart="never" nodeType="tmRoot"/>
+        <p:cTn xmlns:p14="http://schemas.microsoft.com/office/powerpoint/2010/main" id="1" dur="indefinite" restart="never" nodeType="tmRoot"/>
       </p:par>
     </p:tnLst>
   </p:timing>
 </p:sld>
 </file>
 
-<file path=ppt/slides/slide3.xml><?xml version="1.0" encoding="utf-8"?>
+<file path=ppt/slides/slide4.xml><?xml version="1.0" encoding="utf-8"?>
+<p:sld xmlns:a="http://schemas.openxmlformats.org/drawingml/2006/main" xmlns:r="http://schemas.openxmlformats.org/officeDocument/2006/relationships" xmlns:p="http://schemas.openxmlformats.org/presentationml/2006/main">
+  <p:cSld>
+    <p:spTree>
+      <p:nvGrpSpPr>
+        <p:cNvPr id="1" name=""/>
+        <p:cNvGrpSpPr/>
+        <p:nvPr/>
+      </p:nvGrpSpPr>
+      <p:grpSpPr>
+        <a:xfrm>
+          <a:off x="0" y="0"/>
+          <a:ext cx="0" cy="0"/>
+          <a:chOff x="0" y="0"/>
+          <a:chExt cx="0" cy="0"/>
+        </a:xfrm>
+      </p:grpSpPr>
+      <p:pic>
+        <p:nvPicPr>
+          <p:cNvPr id="2" name="Picture 1" descr="DtReconBoxplot.png"/>
+          <p:cNvPicPr>
+            <a:picLocks noChangeAspect="1"/>
+          </p:cNvPicPr>
+          <p:nvPr/>
+        </p:nvPicPr>
+        <p:blipFill>
+          <a:blip r:embed="rId2">
+            <a:extLst>
+              <a:ext uri="{28A0092B-C50C-407E-A947-70E740481C1C}">
+                <a14:useLocalDpi xmlns:a14="http://schemas.microsoft.com/office/drawing/2010/main" val="0"/>
+              </a:ext>
+            </a:extLst>
+          </a:blip>
+          <a:stretch>
+            <a:fillRect/>
+          </a:stretch>
+        </p:blipFill>
+        <p:spPr>
+          <a:xfrm>
+            <a:off x="88900" y="863600"/>
+            <a:ext cx="8953500" cy="5130800"/>
+          </a:xfrm>
+          <a:prstGeom prst="rect">
+            <a:avLst/>
+          </a:prstGeom>
+        </p:spPr>
+      </p:pic>
+    </p:spTree>
+    <p:extLst>
+      <p:ext uri="{BB962C8B-B14F-4D97-AF65-F5344CB8AC3E}">
+        <p14:creationId xmlns:p14="http://schemas.microsoft.com/office/powerpoint/2010/main" val="725932500"/>
+      </p:ext>
+    </p:extLst>
+  </p:cSld>
+  <p:clrMapOvr>
+    <a:masterClrMapping/>
+  </p:clrMapOvr>
+</p:sld>
+</file>
+
+<file path=ppt/slides/slide5.xml><?xml version="1.0" encoding="utf-8"?>
 <p:sld xmlns:a="http://schemas.openxmlformats.org/drawingml/2006/main" xmlns:r="http://schemas.openxmlformats.org/officeDocument/2006/relationships" xmlns:p="http://schemas.openxmlformats.org/presentationml/2006/main">
   <p:cSld>
     <p:spTree>
@@ -4745,7 +4860,7 @@
 </p:sld>
 </file>
 
-<file path=ppt/slides/slide4.xml><?xml version="1.0" encoding="utf-8"?>
+<file path=ppt/slides/slide6.xml><?xml version="1.0" encoding="utf-8"?>
 <p:sld xmlns:a="http://schemas.openxmlformats.org/drawingml/2006/main" xmlns:r="http://schemas.openxmlformats.org/officeDocument/2006/relationships" xmlns:p="http://schemas.openxmlformats.org/presentationml/2006/main">
   <p:cSld>
     <p:spTree>
